--- a/docs/diagrams/WhiteBlackDiagrams/UndoRedoExecuteUndoStackDiagram.pptx
+++ b/docs/diagrams/WhiteBlackDiagrams/UndoRedoExecuteUndoStackDiagram.pptx
@@ -3347,640 +3347,598 @@
           <a:chExt cx="0" cy="0"/>
         </a:xfrm>
       </p:grpSpPr>
-      <p:grpSp>
-        <p:nvGrpSpPr>
-          <p:cNvPr id="3" name="Group 2">
-            <a:extLst>
-              <a:ext uri="{FF2B5EF4-FFF2-40B4-BE49-F238E27FC236}">
-                <a16:creationId xmlns:a16="http://schemas.microsoft.com/office/drawing/2014/main" id="{F1EE0747-70C4-FA44-B791-F51304B214F8}"/>
-              </a:ext>
-            </a:extLst>
-          </p:cNvPr>
-          <p:cNvGrpSpPr/>
+      <p:sp>
+        <p:nvSpPr>
+          <p:cNvPr id="49" name="Freeform 48"/>
+          <p:cNvSpPr/>
           <p:nvPr/>
-        </p:nvGrpSpPr>
-        <p:grpSpPr>
+        </p:nvSpPr>
+        <p:spPr>
           <a:xfrm>
-            <a:off x="106939" y="1617145"/>
-            <a:ext cx="11984977" cy="2913912"/>
-            <a:chOff x="-220607" y="1494315"/>
-            <a:chExt cx="12847992" cy="2775297"/>
+            <a:off x="7296981" y="1494315"/>
+            <a:ext cx="2621293" cy="2382474"/>
           </a:xfrm>
+          <a:custGeom>
+            <a:avLst/>
+            <a:gdLst>
+              <a:gd name="connsiteX0" fmla="*/ 0 w 2474752"/>
+              <a:gd name="connsiteY0" fmla="*/ 8389 h 2382474"/>
+              <a:gd name="connsiteX1" fmla="*/ 0 w 2474752"/>
+              <a:gd name="connsiteY1" fmla="*/ 2382474 h 2382474"/>
+              <a:gd name="connsiteX2" fmla="*/ 2474752 w 2474752"/>
+              <a:gd name="connsiteY2" fmla="*/ 2382474 h 2382474"/>
+              <a:gd name="connsiteX3" fmla="*/ 2474752 w 2474752"/>
+              <a:gd name="connsiteY3" fmla="*/ 0 h 2382474"/>
+            </a:gdLst>
+            <a:ahLst/>
+            <a:cxnLst>
+              <a:cxn ang="0">
+                <a:pos x="connsiteX0" y="connsiteY0"/>
+              </a:cxn>
+              <a:cxn ang="0">
+                <a:pos x="connsiteX1" y="connsiteY1"/>
+              </a:cxn>
+              <a:cxn ang="0">
+                <a:pos x="connsiteX2" y="connsiteY2"/>
+              </a:cxn>
+              <a:cxn ang="0">
+                <a:pos x="connsiteX3" y="connsiteY3"/>
+              </a:cxn>
+            </a:cxnLst>
+            <a:rect l="l" t="t" r="r" b="b"/>
+            <a:pathLst>
+              <a:path w="2474752" h="2382474">
+                <a:moveTo>
+                  <a:pt x="0" y="8389"/>
+                </a:moveTo>
+                <a:lnTo>
+                  <a:pt x="0" y="2382474"/>
+                </a:lnTo>
+                <a:lnTo>
+                  <a:pt x="2474752" y="2382474"/>
+                </a:lnTo>
+                <a:lnTo>
+                  <a:pt x="2474752" y="0"/>
+                </a:lnTo>
+              </a:path>
+            </a:pathLst>
+          </a:custGeom>
           <a:noFill/>
-        </p:grpSpPr>
-        <p:sp>
-          <p:nvSpPr>
-            <p:cNvPr id="49" name="Freeform 48"/>
-            <p:cNvSpPr/>
-            <p:nvPr/>
-          </p:nvSpPr>
-          <p:spPr>
-            <a:xfrm>
-              <a:off x="7296981" y="1494315"/>
-              <a:ext cx="2621293" cy="2382474"/>
-            </a:xfrm>
-            <a:custGeom>
-              <a:avLst/>
-              <a:gdLst>
-                <a:gd name="connsiteX0" fmla="*/ 0 w 2474752"/>
-                <a:gd name="connsiteY0" fmla="*/ 8389 h 2382474"/>
-                <a:gd name="connsiteX1" fmla="*/ 0 w 2474752"/>
-                <a:gd name="connsiteY1" fmla="*/ 2382474 h 2382474"/>
-                <a:gd name="connsiteX2" fmla="*/ 2474752 w 2474752"/>
-                <a:gd name="connsiteY2" fmla="*/ 2382474 h 2382474"/>
-                <a:gd name="connsiteX3" fmla="*/ 2474752 w 2474752"/>
-                <a:gd name="connsiteY3" fmla="*/ 0 h 2382474"/>
-              </a:gdLst>
-              <a:ahLst/>
-              <a:cxnLst>
-                <a:cxn ang="0">
-                  <a:pos x="connsiteX0" y="connsiteY0"/>
-                </a:cxn>
-                <a:cxn ang="0">
-                  <a:pos x="connsiteX1" y="connsiteY1"/>
-                </a:cxn>
-                <a:cxn ang="0">
-                  <a:pos x="connsiteX2" y="connsiteY2"/>
-                </a:cxn>
-                <a:cxn ang="0">
-                  <a:pos x="connsiteX3" y="connsiteY3"/>
-                </a:cxn>
-              </a:cxnLst>
-              <a:rect l="l" t="t" r="r" b="b"/>
-              <a:pathLst>
-                <a:path w="2474752" h="2382474">
-                  <a:moveTo>
-                    <a:pt x="0" y="8389"/>
-                  </a:moveTo>
-                  <a:lnTo>
-                    <a:pt x="0" y="2382474"/>
-                  </a:lnTo>
-                  <a:lnTo>
-                    <a:pt x="2474752" y="2382474"/>
-                  </a:lnTo>
-                  <a:lnTo>
-                    <a:pt x="2474752" y="0"/>
-                  </a:lnTo>
-                </a:path>
-              </a:pathLst>
-            </a:custGeom>
-            <a:grpFill/>
-            <a:ln w="38100">
+          <a:ln w="38100">
+            <a:solidFill>
+              <a:schemeClr val="tx1"/>
+            </a:solidFill>
+          </a:ln>
+        </p:spPr>
+        <p:style>
+          <a:lnRef idx="2">
+            <a:schemeClr val="accent1">
+              <a:shade val="50000"/>
+            </a:schemeClr>
+          </a:lnRef>
+          <a:fillRef idx="1">
+            <a:schemeClr val="accent1"/>
+          </a:fillRef>
+          <a:effectRef idx="0">
+            <a:schemeClr val="accent1"/>
+          </a:effectRef>
+          <a:fontRef idx="minor">
+            <a:schemeClr val="lt1"/>
+          </a:fontRef>
+        </p:style>
+        <p:txBody>
+          <a:bodyPr rtlCol="0" anchor="ctr"/>
+          <a:lstStyle/>
+          <a:p>
+            <a:pPr algn="ctr"/>
+            <a:endParaRPr lang="en-US">
               <a:solidFill>
                 <a:schemeClr val="tx1"/>
               </a:solidFill>
-            </a:ln>
-          </p:spPr>
-          <p:style>
-            <a:lnRef idx="2">
-              <a:schemeClr val="accent1">
-                <a:shade val="50000"/>
-              </a:schemeClr>
-            </a:lnRef>
-            <a:fillRef idx="1">
-              <a:schemeClr val="accent1"/>
-            </a:fillRef>
-            <a:effectRef idx="0">
-              <a:schemeClr val="accent1"/>
-            </a:effectRef>
-            <a:fontRef idx="minor">
-              <a:schemeClr val="lt1"/>
-            </a:fontRef>
-          </p:style>
-          <p:txBody>
-            <a:bodyPr rtlCol="0" anchor="ctr"/>
-            <a:lstStyle/>
-            <a:p>
-              <a:pPr algn="ctr"/>
-              <a:endParaRPr lang="en-US">
+            </a:endParaRPr>
+          </a:p>
+        </p:txBody>
+      </p:sp>
+      <p:sp>
+        <p:nvSpPr>
+          <p:cNvPr id="50" name="Freeform 49"/>
+          <p:cNvSpPr/>
+          <p:nvPr/>
+        </p:nvSpPr>
+        <p:spPr>
+          <a:xfrm>
+            <a:off x="10006092" y="1494315"/>
+            <a:ext cx="2621293" cy="2382474"/>
+          </a:xfrm>
+          <a:custGeom>
+            <a:avLst/>
+            <a:gdLst>
+              <a:gd name="connsiteX0" fmla="*/ 0 w 2474752"/>
+              <a:gd name="connsiteY0" fmla="*/ 8389 h 2382474"/>
+              <a:gd name="connsiteX1" fmla="*/ 0 w 2474752"/>
+              <a:gd name="connsiteY1" fmla="*/ 2382474 h 2382474"/>
+              <a:gd name="connsiteX2" fmla="*/ 2474752 w 2474752"/>
+              <a:gd name="connsiteY2" fmla="*/ 2382474 h 2382474"/>
+              <a:gd name="connsiteX3" fmla="*/ 2474752 w 2474752"/>
+              <a:gd name="connsiteY3" fmla="*/ 0 h 2382474"/>
+            </a:gdLst>
+            <a:ahLst/>
+            <a:cxnLst>
+              <a:cxn ang="0">
+                <a:pos x="connsiteX0" y="connsiteY0"/>
+              </a:cxn>
+              <a:cxn ang="0">
+                <a:pos x="connsiteX1" y="connsiteY1"/>
+              </a:cxn>
+              <a:cxn ang="0">
+                <a:pos x="connsiteX2" y="connsiteY2"/>
+              </a:cxn>
+              <a:cxn ang="0">
+                <a:pos x="connsiteX3" y="connsiteY3"/>
+              </a:cxn>
+            </a:cxnLst>
+            <a:rect l="l" t="t" r="r" b="b"/>
+            <a:pathLst>
+              <a:path w="2474752" h="2382474">
+                <a:moveTo>
+                  <a:pt x="0" y="8389"/>
+                </a:moveTo>
+                <a:lnTo>
+                  <a:pt x="0" y="2382474"/>
+                </a:lnTo>
+                <a:lnTo>
+                  <a:pt x="2474752" y="2382474"/>
+                </a:lnTo>
+                <a:lnTo>
+                  <a:pt x="2474752" y="0"/>
+                </a:lnTo>
+              </a:path>
+            </a:pathLst>
+          </a:custGeom>
+          <a:noFill/>
+          <a:ln w="38100">
+            <a:solidFill>
+              <a:schemeClr val="tx1"/>
+            </a:solidFill>
+          </a:ln>
+        </p:spPr>
+        <p:style>
+          <a:lnRef idx="2">
+            <a:schemeClr val="accent1">
+              <a:shade val="50000"/>
+            </a:schemeClr>
+          </a:lnRef>
+          <a:fillRef idx="1">
+            <a:schemeClr val="accent1"/>
+          </a:fillRef>
+          <a:effectRef idx="0">
+            <a:schemeClr val="accent1"/>
+          </a:effectRef>
+          <a:fontRef idx="minor">
+            <a:schemeClr val="lt1"/>
+          </a:fontRef>
+        </p:style>
+        <p:txBody>
+          <a:bodyPr rtlCol="0" anchor="ctr"/>
+          <a:lstStyle/>
+          <a:p>
+            <a:pPr algn="ctr"/>
+            <a:endParaRPr lang="en-US">
+              <a:solidFill>
+                <a:schemeClr val="tx1"/>
+              </a:solidFill>
+            </a:endParaRPr>
+          </a:p>
+        </p:txBody>
+      </p:sp>
+      <p:sp>
+        <p:nvSpPr>
+          <p:cNvPr id="51" name="Freeform 50"/>
+          <p:cNvSpPr/>
+          <p:nvPr/>
+        </p:nvSpPr>
+        <p:spPr>
+          <a:xfrm>
+            <a:off x="2493090" y="1494315"/>
+            <a:ext cx="2621293" cy="2382474"/>
+          </a:xfrm>
+          <a:custGeom>
+            <a:avLst/>
+            <a:gdLst>
+              <a:gd name="connsiteX0" fmla="*/ 0 w 2474752"/>
+              <a:gd name="connsiteY0" fmla="*/ 8389 h 2382474"/>
+              <a:gd name="connsiteX1" fmla="*/ 0 w 2474752"/>
+              <a:gd name="connsiteY1" fmla="*/ 2382474 h 2382474"/>
+              <a:gd name="connsiteX2" fmla="*/ 2474752 w 2474752"/>
+              <a:gd name="connsiteY2" fmla="*/ 2382474 h 2382474"/>
+              <a:gd name="connsiteX3" fmla="*/ 2474752 w 2474752"/>
+              <a:gd name="connsiteY3" fmla="*/ 0 h 2382474"/>
+            </a:gdLst>
+            <a:ahLst/>
+            <a:cxnLst>
+              <a:cxn ang="0">
+                <a:pos x="connsiteX0" y="connsiteY0"/>
+              </a:cxn>
+              <a:cxn ang="0">
+                <a:pos x="connsiteX1" y="connsiteY1"/>
+              </a:cxn>
+              <a:cxn ang="0">
+                <a:pos x="connsiteX2" y="connsiteY2"/>
+              </a:cxn>
+              <a:cxn ang="0">
+                <a:pos x="connsiteX3" y="connsiteY3"/>
+              </a:cxn>
+            </a:cxnLst>
+            <a:rect l="l" t="t" r="r" b="b"/>
+            <a:pathLst>
+              <a:path w="2474752" h="2382474">
+                <a:moveTo>
+                  <a:pt x="0" y="8389"/>
+                </a:moveTo>
+                <a:lnTo>
+                  <a:pt x="0" y="2382474"/>
+                </a:lnTo>
+                <a:lnTo>
+                  <a:pt x="2474752" y="2382474"/>
+                </a:lnTo>
+                <a:lnTo>
+                  <a:pt x="2474752" y="0"/>
+                </a:lnTo>
+              </a:path>
+            </a:pathLst>
+          </a:custGeom>
+          <a:noFill/>
+          <a:ln w="38100">
+            <a:solidFill>
+              <a:schemeClr val="tx1"/>
+            </a:solidFill>
+          </a:ln>
+        </p:spPr>
+        <p:style>
+          <a:lnRef idx="2">
+            <a:schemeClr val="accent1">
+              <a:shade val="50000"/>
+            </a:schemeClr>
+          </a:lnRef>
+          <a:fillRef idx="1">
+            <a:schemeClr val="accent1"/>
+          </a:fillRef>
+          <a:effectRef idx="0">
+            <a:schemeClr val="accent1"/>
+          </a:effectRef>
+          <a:fontRef idx="minor">
+            <a:schemeClr val="lt1"/>
+          </a:fontRef>
+        </p:style>
+        <p:txBody>
+          <a:bodyPr rtlCol="0" anchor="ctr"/>
+          <a:lstStyle/>
+          <a:p>
+            <a:pPr algn="ctr"/>
+            <a:endParaRPr lang="en-US">
+              <a:solidFill>
+                <a:schemeClr val="tx1"/>
+              </a:solidFill>
+            </a:endParaRPr>
+          </a:p>
+        </p:txBody>
+      </p:sp>
+      <p:sp>
+        <p:nvSpPr>
+          <p:cNvPr id="52" name="Freeform 51"/>
+          <p:cNvSpPr/>
+          <p:nvPr/>
+        </p:nvSpPr>
+        <p:spPr>
+          <a:xfrm>
+            <a:off x="-220607" y="1494315"/>
+            <a:ext cx="2621293" cy="2382474"/>
+          </a:xfrm>
+          <a:custGeom>
+            <a:avLst/>
+            <a:gdLst>
+              <a:gd name="connsiteX0" fmla="*/ 0 w 2474752"/>
+              <a:gd name="connsiteY0" fmla="*/ 8389 h 2382474"/>
+              <a:gd name="connsiteX1" fmla="*/ 0 w 2474752"/>
+              <a:gd name="connsiteY1" fmla="*/ 2382474 h 2382474"/>
+              <a:gd name="connsiteX2" fmla="*/ 2474752 w 2474752"/>
+              <a:gd name="connsiteY2" fmla="*/ 2382474 h 2382474"/>
+              <a:gd name="connsiteX3" fmla="*/ 2474752 w 2474752"/>
+              <a:gd name="connsiteY3" fmla="*/ 0 h 2382474"/>
+            </a:gdLst>
+            <a:ahLst/>
+            <a:cxnLst>
+              <a:cxn ang="0">
+                <a:pos x="connsiteX0" y="connsiteY0"/>
+              </a:cxn>
+              <a:cxn ang="0">
+                <a:pos x="connsiteX1" y="connsiteY1"/>
+              </a:cxn>
+              <a:cxn ang="0">
+                <a:pos x="connsiteX2" y="connsiteY2"/>
+              </a:cxn>
+              <a:cxn ang="0">
+                <a:pos x="connsiteX3" y="connsiteY3"/>
+              </a:cxn>
+            </a:cxnLst>
+            <a:rect l="l" t="t" r="r" b="b"/>
+            <a:pathLst>
+              <a:path w="2474752" h="2382474">
+                <a:moveTo>
+                  <a:pt x="0" y="8389"/>
+                </a:moveTo>
+                <a:lnTo>
+                  <a:pt x="0" y="2382474"/>
+                </a:lnTo>
+                <a:lnTo>
+                  <a:pt x="2474752" y="2382474"/>
+                </a:lnTo>
+                <a:lnTo>
+                  <a:pt x="2474752" y="0"/>
+                </a:lnTo>
+              </a:path>
+            </a:pathLst>
+          </a:custGeom>
+          <a:noFill/>
+          <a:ln w="38100">
+            <a:solidFill>
+              <a:schemeClr val="tx1"/>
+            </a:solidFill>
+          </a:ln>
+        </p:spPr>
+        <p:style>
+          <a:lnRef idx="2">
+            <a:schemeClr val="accent1">
+              <a:shade val="50000"/>
+            </a:schemeClr>
+          </a:lnRef>
+          <a:fillRef idx="1">
+            <a:schemeClr val="accent1"/>
+          </a:fillRef>
+          <a:effectRef idx="0">
+            <a:schemeClr val="accent1"/>
+          </a:effectRef>
+          <a:fontRef idx="minor">
+            <a:schemeClr val="lt1"/>
+          </a:fontRef>
+        </p:style>
+        <p:txBody>
+          <a:bodyPr rtlCol="0" anchor="ctr"/>
+          <a:lstStyle/>
+          <a:p>
+            <a:pPr algn="ctr"/>
+            <a:endParaRPr lang="en-US">
+              <a:solidFill>
+                <a:schemeClr val="tx1"/>
+              </a:solidFill>
+            </a:endParaRPr>
+          </a:p>
+        </p:txBody>
+      </p:sp>
+      <p:sp>
+        <p:nvSpPr>
+          <p:cNvPr id="27" name="TextBox 26">
+            <a:extLst>
+              <a:ext uri="{FF2B5EF4-FFF2-40B4-BE49-F238E27FC236}">
+                <a16:creationId xmlns:a16="http://schemas.microsoft.com/office/drawing/2014/main" id="{A602E897-AC55-414E-A133-097A608AA9CB}"/>
+              </a:ext>
+            </a:extLst>
+          </p:cNvPr>
+          <p:cNvSpPr txBox="1"/>
+          <p:nvPr/>
+        </p:nvSpPr>
+        <p:spPr>
+          <a:xfrm>
+            <a:off x="-62383" y="3903640"/>
+            <a:ext cx="2463069" cy="365972"/>
+          </a:xfrm>
+          <a:prstGeom prst="rect">
+            <a:avLst/>
+          </a:prstGeom>
+          <a:noFill/>
+        </p:spPr>
+        <p:txBody>
+          <a:bodyPr wrap="square" rtlCol="0">
+            <a:spAutoFit/>
+          </a:bodyPr>
+          <a:lstStyle/>
+          <a:p>
+            <a:pPr algn="ctr"/>
+            <a:r>
+              <a:rPr lang="en-SG" dirty="0" err="1">
+                <a:latin typeface="Consolas" panose="020B0609020204030204" pitchFamily="49" charset="0"/>
+              </a:rPr>
+              <a:t>undoStack</a:t>
+            </a:r>
+            <a:endParaRPr lang="en-SG" dirty="0">
+              <a:latin typeface="Consolas" panose="020B0609020204030204" pitchFamily="49" charset="0"/>
+            </a:endParaRPr>
+          </a:p>
+        </p:txBody>
+      </p:sp>
+      <p:sp>
+        <p:nvSpPr>
+          <p:cNvPr id="28" name="TextBox 27">
+            <a:extLst>
+              <a:ext uri="{FF2B5EF4-FFF2-40B4-BE49-F238E27FC236}">
+                <a16:creationId xmlns:a16="http://schemas.microsoft.com/office/drawing/2014/main" id="{82DA2251-D0FB-46DF-9BA0-2C4F4E738263}"/>
+              </a:ext>
+            </a:extLst>
+          </p:cNvPr>
+          <p:cNvSpPr txBox="1"/>
+          <p:nvPr/>
+        </p:nvSpPr>
+        <p:spPr>
+          <a:xfrm>
+            <a:off x="2520692" y="3900280"/>
+            <a:ext cx="2458129" cy="369332"/>
+          </a:xfrm>
+          <a:prstGeom prst="rect">
+            <a:avLst/>
+          </a:prstGeom>
+          <a:noFill/>
+        </p:spPr>
+        <p:txBody>
+          <a:bodyPr wrap="square" rtlCol="0">
+            <a:spAutoFit/>
+          </a:bodyPr>
+          <a:lstStyle/>
+          <a:p>
+            <a:pPr algn="ctr"/>
+            <a:r>
+              <a:rPr lang="en-SG" dirty="0" err="1">
+                <a:latin typeface="Consolas" panose="020B0609020204030204" pitchFamily="49" charset="0"/>
+              </a:rPr>
+              <a:t>redoStack</a:t>
+            </a:r>
+            <a:endParaRPr lang="en-SG" dirty="0">
+              <a:latin typeface="Consolas" panose="020B0609020204030204" pitchFamily="49" charset="0"/>
+            </a:endParaRPr>
+          </a:p>
+        </p:txBody>
+      </p:sp>
+      <p:sp>
+        <p:nvSpPr>
+          <p:cNvPr id="29" name="Arrow: Right 28">
+            <a:extLst>
+              <a:ext uri="{FF2B5EF4-FFF2-40B4-BE49-F238E27FC236}">
+                <a16:creationId xmlns:a16="http://schemas.microsoft.com/office/drawing/2014/main" id="{A4105A79-CB0E-4CCF-8AC9-8367702C35DA}"/>
+              </a:ext>
+            </a:extLst>
+          </p:cNvPr>
+          <p:cNvSpPr/>
+          <p:nvPr/>
+        </p:nvSpPr>
+        <p:spPr>
+          <a:xfrm>
+            <a:off x="5202201" y="1882950"/>
+            <a:ext cx="2002918" cy="1263192"/>
+          </a:xfrm>
+          <a:prstGeom prst="rightArrow">
+            <a:avLst/>
+          </a:prstGeom>
+          <a:noFill/>
+          <a:ln>
+            <a:solidFill>
+              <a:schemeClr val="tx1"/>
+            </a:solidFill>
+          </a:ln>
+        </p:spPr>
+        <p:style>
+          <a:lnRef idx="2">
+            <a:schemeClr val="accent1">
+              <a:shade val="50000"/>
+            </a:schemeClr>
+          </a:lnRef>
+          <a:fillRef idx="1">
+            <a:schemeClr val="accent1"/>
+          </a:fillRef>
+          <a:effectRef idx="0">
+            <a:schemeClr val="accent1"/>
+          </a:effectRef>
+          <a:fontRef idx="minor">
+            <a:schemeClr val="lt1"/>
+          </a:fontRef>
+        </p:style>
+        <p:txBody>
+          <a:bodyPr rtlCol="0" anchor="ctr"/>
+          <a:lstStyle/>
+          <a:p>
+            <a:pPr algn="ctr"/>
+            <a:r>
+              <a:rPr lang="en-SG" dirty="0">
                 <a:solidFill>
                   <a:schemeClr val="tx1"/>
                 </a:solidFill>
-              </a:endParaRPr>
-            </a:p>
-          </p:txBody>
-        </p:sp>
-        <p:sp>
-          <p:nvSpPr>
-            <p:cNvPr id="50" name="Freeform 49"/>
-            <p:cNvSpPr/>
-            <p:nvPr/>
-          </p:nvSpPr>
-          <p:spPr>
-            <a:xfrm>
-              <a:off x="10006092" y="1494315"/>
-              <a:ext cx="2621293" cy="2382474"/>
-            </a:xfrm>
-            <a:custGeom>
-              <a:avLst/>
-              <a:gdLst>
-                <a:gd name="connsiteX0" fmla="*/ 0 w 2474752"/>
-                <a:gd name="connsiteY0" fmla="*/ 8389 h 2382474"/>
-                <a:gd name="connsiteX1" fmla="*/ 0 w 2474752"/>
-                <a:gd name="connsiteY1" fmla="*/ 2382474 h 2382474"/>
-                <a:gd name="connsiteX2" fmla="*/ 2474752 w 2474752"/>
-                <a:gd name="connsiteY2" fmla="*/ 2382474 h 2382474"/>
-                <a:gd name="connsiteX3" fmla="*/ 2474752 w 2474752"/>
-                <a:gd name="connsiteY3" fmla="*/ 0 h 2382474"/>
-              </a:gdLst>
-              <a:ahLst/>
-              <a:cxnLst>
-                <a:cxn ang="0">
-                  <a:pos x="connsiteX0" y="connsiteY0"/>
-                </a:cxn>
-                <a:cxn ang="0">
-                  <a:pos x="connsiteX1" y="connsiteY1"/>
-                </a:cxn>
-                <a:cxn ang="0">
-                  <a:pos x="connsiteX2" y="connsiteY2"/>
-                </a:cxn>
-                <a:cxn ang="0">
-                  <a:pos x="connsiteX3" y="connsiteY3"/>
-                </a:cxn>
-              </a:cxnLst>
-              <a:rect l="l" t="t" r="r" b="b"/>
-              <a:pathLst>
-                <a:path w="2474752" h="2382474">
-                  <a:moveTo>
-                    <a:pt x="0" y="8389"/>
-                  </a:moveTo>
-                  <a:lnTo>
-                    <a:pt x="0" y="2382474"/>
-                  </a:lnTo>
-                  <a:lnTo>
-                    <a:pt x="2474752" y="2382474"/>
-                  </a:lnTo>
-                  <a:lnTo>
-                    <a:pt x="2474752" y="0"/>
-                  </a:lnTo>
-                </a:path>
-              </a:pathLst>
-            </a:custGeom>
-            <a:grpFill/>
-            <a:ln w="38100">
-              <a:solidFill>
-                <a:schemeClr val="tx1"/>
-              </a:solidFill>
-            </a:ln>
-          </p:spPr>
-          <p:style>
-            <a:lnRef idx="2">
-              <a:schemeClr val="accent1">
-                <a:shade val="50000"/>
-              </a:schemeClr>
-            </a:lnRef>
-            <a:fillRef idx="1">
-              <a:schemeClr val="accent1"/>
-            </a:fillRef>
-            <a:effectRef idx="0">
-              <a:schemeClr val="accent1"/>
-            </a:effectRef>
-            <a:fontRef idx="minor">
-              <a:schemeClr val="lt1"/>
-            </a:fontRef>
-          </p:style>
-          <p:txBody>
-            <a:bodyPr rtlCol="0" anchor="ctr"/>
-            <a:lstStyle/>
-            <a:p>
-              <a:pPr algn="ctr"/>
-              <a:endParaRPr lang="en-US">
-                <a:solidFill>
-                  <a:schemeClr val="tx1"/>
-                </a:solidFill>
-              </a:endParaRPr>
-            </a:p>
-          </p:txBody>
-        </p:sp>
-        <p:sp>
-          <p:nvSpPr>
-            <p:cNvPr id="51" name="Freeform 50"/>
-            <p:cNvSpPr/>
-            <p:nvPr/>
-          </p:nvSpPr>
-          <p:spPr>
-            <a:xfrm>
-              <a:off x="2493090" y="1494315"/>
-              <a:ext cx="2621293" cy="2382474"/>
-            </a:xfrm>
-            <a:custGeom>
-              <a:avLst/>
-              <a:gdLst>
-                <a:gd name="connsiteX0" fmla="*/ 0 w 2474752"/>
-                <a:gd name="connsiteY0" fmla="*/ 8389 h 2382474"/>
-                <a:gd name="connsiteX1" fmla="*/ 0 w 2474752"/>
-                <a:gd name="connsiteY1" fmla="*/ 2382474 h 2382474"/>
-                <a:gd name="connsiteX2" fmla="*/ 2474752 w 2474752"/>
-                <a:gd name="connsiteY2" fmla="*/ 2382474 h 2382474"/>
-                <a:gd name="connsiteX3" fmla="*/ 2474752 w 2474752"/>
-                <a:gd name="connsiteY3" fmla="*/ 0 h 2382474"/>
-              </a:gdLst>
-              <a:ahLst/>
-              <a:cxnLst>
-                <a:cxn ang="0">
-                  <a:pos x="connsiteX0" y="connsiteY0"/>
-                </a:cxn>
-                <a:cxn ang="0">
-                  <a:pos x="connsiteX1" y="connsiteY1"/>
-                </a:cxn>
-                <a:cxn ang="0">
-                  <a:pos x="connsiteX2" y="connsiteY2"/>
-                </a:cxn>
-                <a:cxn ang="0">
-                  <a:pos x="connsiteX3" y="connsiteY3"/>
-                </a:cxn>
-              </a:cxnLst>
-              <a:rect l="l" t="t" r="r" b="b"/>
-              <a:pathLst>
-                <a:path w="2474752" h="2382474">
-                  <a:moveTo>
-                    <a:pt x="0" y="8389"/>
-                  </a:moveTo>
-                  <a:lnTo>
-                    <a:pt x="0" y="2382474"/>
-                  </a:lnTo>
-                  <a:lnTo>
-                    <a:pt x="2474752" y="2382474"/>
-                  </a:lnTo>
-                  <a:lnTo>
-                    <a:pt x="2474752" y="0"/>
-                  </a:lnTo>
-                </a:path>
-              </a:pathLst>
-            </a:custGeom>
-            <a:grpFill/>
-            <a:ln w="38100">
-              <a:solidFill>
-                <a:schemeClr val="tx1"/>
-              </a:solidFill>
-            </a:ln>
-          </p:spPr>
-          <p:style>
-            <a:lnRef idx="2">
-              <a:schemeClr val="accent1">
-                <a:shade val="50000"/>
-              </a:schemeClr>
-            </a:lnRef>
-            <a:fillRef idx="1">
-              <a:schemeClr val="accent1"/>
-            </a:fillRef>
-            <a:effectRef idx="0">
-              <a:schemeClr val="accent1"/>
-            </a:effectRef>
-            <a:fontRef idx="minor">
-              <a:schemeClr val="lt1"/>
-            </a:fontRef>
-          </p:style>
-          <p:txBody>
-            <a:bodyPr rtlCol="0" anchor="ctr"/>
-            <a:lstStyle/>
-            <a:p>
-              <a:pPr algn="ctr"/>
-              <a:endParaRPr lang="en-US">
-                <a:solidFill>
-                  <a:schemeClr val="tx1"/>
-                </a:solidFill>
-              </a:endParaRPr>
-            </a:p>
-          </p:txBody>
-        </p:sp>
-        <p:sp>
-          <p:nvSpPr>
-            <p:cNvPr id="52" name="Freeform 51"/>
-            <p:cNvSpPr/>
-            <p:nvPr/>
-          </p:nvSpPr>
-          <p:spPr>
-            <a:xfrm>
-              <a:off x="-220607" y="1494315"/>
-              <a:ext cx="2621293" cy="2382474"/>
-            </a:xfrm>
-            <a:custGeom>
-              <a:avLst/>
-              <a:gdLst>
-                <a:gd name="connsiteX0" fmla="*/ 0 w 2474752"/>
-                <a:gd name="connsiteY0" fmla="*/ 8389 h 2382474"/>
-                <a:gd name="connsiteX1" fmla="*/ 0 w 2474752"/>
-                <a:gd name="connsiteY1" fmla="*/ 2382474 h 2382474"/>
-                <a:gd name="connsiteX2" fmla="*/ 2474752 w 2474752"/>
-                <a:gd name="connsiteY2" fmla="*/ 2382474 h 2382474"/>
-                <a:gd name="connsiteX3" fmla="*/ 2474752 w 2474752"/>
-                <a:gd name="connsiteY3" fmla="*/ 0 h 2382474"/>
-              </a:gdLst>
-              <a:ahLst/>
-              <a:cxnLst>
-                <a:cxn ang="0">
-                  <a:pos x="connsiteX0" y="connsiteY0"/>
-                </a:cxn>
-                <a:cxn ang="0">
-                  <a:pos x="connsiteX1" y="connsiteY1"/>
-                </a:cxn>
-                <a:cxn ang="0">
-                  <a:pos x="connsiteX2" y="connsiteY2"/>
-                </a:cxn>
-                <a:cxn ang="0">
-                  <a:pos x="connsiteX3" y="connsiteY3"/>
-                </a:cxn>
-              </a:cxnLst>
-              <a:rect l="l" t="t" r="r" b="b"/>
-              <a:pathLst>
-                <a:path w="2474752" h="2382474">
-                  <a:moveTo>
-                    <a:pt x="0" y="8389"/>
-                  </a:moveTo>
-                  <a:lnTo>
-                    <a:pt x="0" y="2382474"/>
-                  </a:lnTo>
-                  <a:lnTo>
-                    <a:pt x="2474752" y="2382474"/>
-                  </a:lnTo>
-                  <a:lnTo>
-                    <a:pt x="2474752" y="0"/>
-                  </a:lnTo>
-                </a:path>
-              </a:pathLst>
-            </a:custGeom>
-            <a:grpFill/>
-            <a:ln w="38100">
-              <a:solidFill>
-                <a:schemeClr val="tx1"/>
-              </a:solidFill>
-            </a:ln>
-          </p:spPr>
-          <p:style>
-            <a:lnRef idx="2">
-              <a:schemeClr val="accent1">
-                <a:shade val="50000"/>
-              </a:schemeClr>
-            </a:lnRef>
-            <a:fillRef idx="1">
-              <a:schemeClr val="accent1"/>
-            </a:fillRef>
-            <a:effectRef idx="0">
-              <a:schemeClr val="accent1"/>
-            </a:effectRef>
-            <a:fontRef idx="minor">
-              <a:schemeClr val="lt1"/>
-            </a:fontRef>
-          </p:style>
-          <p:txBody>
-            <a:bodyPr rtlCol="0" anchor="ctr"/>
-            <a:lstStyle/>
-            <a:p>
-              <a:pPr algn="ctr"/>
-              <a:endParaRPr lang="en-US">
-                <a:solidFill>
-                  <a:schemeClr val="tx1"/>
-                </a:solidFill>
-              </a:endParaRPr>
-            </a:p>
-          </p:txBody>
-        </p:sp>
-        <p:sp>
-          <p:nvSpPr>
-            <p:cNvPr id="27" name="TextBox 26">
-              <a:extLst>
-                <a:ext uri="{FF2B5EF4-FFF2-40B4-BE49-F238E27FC236}">
-                  <a16:creationId xmlns:a16="http://schemas.microsoft.com/office/drawing/2014/main" id="{A602E897-AC55-414E-A133-097A608AA9CB}"/>
-                </a:ext>
-              </a:extLst>
-            </p:cNvPr>
-            <p:cNvSpPr txBox="1"/>
-            <p:nvPr/>
-          </p:nvSpPr>
-          <p:spPr>
-            <a:xfrm>
-              <a:off x="-62383" y="3903640"/>
-              <a:ext cx="2463069" cy="365972"/>
-            </a:xfrm>
-            <a:prstGeom prst="rect">
-              <a:avLst/>
-            </a:prstGeom>
-            <a:grpFill/>
-            <a:ln>
-              <a:solidFill>
-                <a:schemeClr val="bg1"/>
-              </a:solidFill>
-            </a:ln>
-          </p:spPr>
-          <p:txBody>
-            <a:bodyPr wrap="square" rtlCol="0">
-              <a:spAutoFit/>
-            </a:bodyPr>
-            <a:lstStyle/>
-            <a:p>
-              <a:pPr algn="ctr"/>
-              <a:r>
-                <a:rPr lang="en-SG" dirty="0" err="1">
-                  <a:latin typeface="Consolas" panose="020B0609020204030204" pitchFamily="49" charset="0"/>
-                </a:rPr>
-                <a:t>undoStack</a:t>
-              </a:r>
-              <a:endParaRPr lang="en-SG" dirty="0">
                 <a:latin typeface="Consolas" panose="020B0609020204030204" pitchFamily="49" charset="0"/>
-              </a:endParaRPr>
-            </a:p>
-          </p:txBody>
-        </p:sp>
-        <p:sp>
-          <p:nvSpPr>
-            <p:cNvPr id="28" name="TextBox 27">
-              <a:extLst>
-                <a:ext uri="{FF2B5EF4-FFF2-40B4-BE49-F238E27FC236}">
-                  <a16:creationId xmlns:a16="http://schemas.microsoft.com/office/drawing/2014/main" id="{82DA2251-D0FB-46DF-9BA0-2C4F4E738263}"/>
-                </a:ext>
-              </a:extLst>
-            </p:cNvPr>
-            <p:cNvSpPr txBox="1"/>
-            <p:nvPr/>
-          </p:nvSpPr>
-          <p:spPr>
-            <a:xfrm>
-              <a:off x="2520692" y="3900280"/>
-              <a:ext cx="2458129" cy="369332"/>
-            </a:xfrm>
-            <a:prstGeom prst="rect">
-              <a:avLst/>
-            </a:prstGeom>
-            <a:grpFill/>
-            <a:ln>
-              <a:solidFill>
-                <a:schemeClr val="bg1"/>
-              </a:solidFill>
-            </a:ln>
-          </p:spPr>
-          <p:txBody>
-            <a:bodyPr wrap="square" rtlCol="0">
-              <a:spAutoFit/>
-            </a:bodyPr>
-            <a:lstStyle/>
-            <a:p>
-              <a:pPr algn="ctr"/>
-              <a:r>
-                <a:rPr lang="en-SG" dirty="0" err="1">
-                  <a:latin typeface="Consolas" panose="020B0609020204030204" pitchFamily="49" charset="0"/>
-                </a:rPr>
-                <a:t>redoStack</a:t>
-              </a:r>
-              <a:endParaRPr lang="en-SG" dirty="0">
+              </a:rPr>
+              <a:t>undo</a:t>
+            </a:r>
+          </a:p>
+        </p:txBody>
+      </p:sp>
+      <p:sp>
+        <p:nvSpPr>
+          <p:cNvPr id="37" name="TextBox 36">
+            <a:extLst>
+              <a:ext uri="{FF2B5EF4-FFF2-40B4-BE49-F238E27FC236}">
+                <a16:creationId xmlns:a16="http://schemas.microsoft.com/office/drawing/2014/main" id="{8667EC55-FFE1-465D-90D3-E7951AB08C47}"/>
+              </a:ext>
+            </a:extLst>
+          </p:cNvPr>
+          <p:cNvSpPr txBox="1"/>
+          <p:nvPr/>
+        </p:nvSpPr>
+        <p:spPr>
+          <a:xfrm>
+            <a:off x="7448062" y="3900280"/>
+            <a:ext cx="2463069" cy="365972"/>
+          </a:xfrm>
+          <a:prstGeom prst="rect">
+            <a:avLst/>
+          </a:prstGeom>
+          <a:noFill/>
+        </p:spPr>
+        <p:txBody>
+          <a:bodyPr wrap="square" rtlCol="0">
+            <a:spAutoFit/>
+          </a:bodyPr>
+          <a:lstStyle/>
+          <a:p>
+            <a:pPr algn="ctr"/>
+            <a:r>
+              <a:rPr lang="en-SG" dirty="0" err="1">
                 <a:latin typeface="Consolas" panose="020B0609020204030204" pitchFamily="49" charset="0"/>
-              </a:endParaRPr>
-            </a:p>
-          </p:txBody>
-        </p:sp>
-        <p:sp>
-          <p:nvSpPr>
-            <p:cNvPr id="29" name="Arrow: Right 28">
-              <a:extLst>
-                <a:ext uri="{FF2B5EF4-FFF2-40B4-BE49-F238E27FC236}">
-                  <a16:creationId xmlns:a16="http://schemas.microsoft.com/office/drawing/2014/main" id="{A4105A79-CB0E-4CCF-8AC9-8367702C35DA}"/>
-                </a:ext>
-              </a:extLst>
-            </p:cNvPr>
-            <p:cNvSpPr/>
-            <p:nvPr/>
-          </p:nvSpPr>
-          <p:spPr>
-            <a:xfrm>
-              <a:off x="5202201" y="1882950"/>
-              <a:ext cx="2002918" cy="1263192"/>
-            </a:xfrm>
-            <a:prstGeom prst="rightArrow">
-              <a:avLst/>
-            </a:prstGeom>
-            <a:grpFill/>
-            <a:ln>
-              <a:solidFill>
-                <a:schemeClr val="tx1"/>
-              </a:solidFill>
-            </a:ln>
-          </p:spPr>
-          <p:style>
-            <a:lnRef idx="2">
-              <a:schemeClr val="accent1">
-                <a:shade val="50000"/>
-              </a:schemeClr>
-            </a:lnRef>
-            <a:fillRef idx="1">
-              <a:schemeClr val="accent1"/>
-            </a:fillRef>
-            <a:effectRef idx="0">
-              <a:schemeClr val="accent1"/>
-            </a:effectRef>
-            <a:fontRef idx="minor">
-              <a:schemeClr val="lt1"/>
-            </a:fontRef>
-          </p:style>
-          <p:txBody>
-            <a:bodyPr rtlCol="0" anchor="ctr"/>
-            <a:lstStyle/>
-            <a:p>
-              <a:pPr algn="ctr"/>
-              <a:r>
-                <a:rPr lang="en-SG" dirty="0">
-                  <a:solidFill>
-                    <a:schemeClr val="tx1"/>
-                  </a:solidFill>
-                  <a:latin typeface="Consolas" panose="020B0609020204030204" pitchFamily="49" charset="0"/>
-                </a:rPr>
-                <a:t>undo</a:t>
-              </a:r>
-            </a:p>
-          </p:txBody>
-        </p:sp>
-        <p:sp>
-          <p:nvSpPr>
-            <p:cNvPr id="37" name="TextBox 36">
-              <a:extLst>
-                <a:ext uri="{FF2B5EF4-FFF2-40B4-BE49-F238E27FC236}">
-                  <a16:creationId xmlns:a16="http://schemas.microsoft.com/office/drawing/2014/main" id="{8667EC55-FFE1-465D-90D3-E7951AB08C47}"/>
-                </a:ext>
-              </a:extLst>
-            </p:cNvPr>
-            <p:cNvSpPr txBox="1"/>
-            <p:nvPr/>
-          </p:nvSpPr>
-          <p:spPr>
-            <a:xfrm>
-              <a:off x="7448062" y="3900280"/>
-              <a:ext cx="2463069" cy="365972"/>
-            </a:xfrm>
-            <a:prstGeom prst="rect">
-              <a:avLst/>
-            </a:prstGeom>
-            <a:grpFill/>
-            <a:ln>
-              <a:solidFill>
-                <a:schemeClr val="bg1"/>
-              </a:solidFill>
-            </a:ln>
-          </p:spPr>
-          <p:txBody>
-            <a:bodyPr wrap="square" rtlCol="0">
-              <a:spAutoFit/>
-            </a:bodyPr>
-            <a:lstStyle/>
-            <a:p>
-              <a:pPr algn="ctr"/>
-              <a:r>
-                <a:rPr lang="en-SG" dirty="0" err="1">
-                  <a:latin typeface="Consolas" panose="020B0609020204030204" pitchFamily="49" charset="0"/>
-                </a:rPr>
-                <a:t>undoStack</a:t>
-              </a:r>
-              <a:endParaRPr lang="en-SG" dirty="0">
+              </a:rPr>
+              <a:t>undoStack</a:t>
+            </a:r>
+            <a:endParaRPr lang="en-SG" dirty="0">
+              <a:latin typeface="Consolas" panose="020B0609020204030204" pitchFamily="49" charset="0"/>
+            </a:endParaRPr>
+          </a:p>
+        </p:txBody>
+      </p:sp>
+      <p:sp>
+        <p:nvSpPr>
+          <p:cNvPr id="38" name="TextBox 37">
+            <a:extLst>
+              <a:ext uri="{FF2B5EF4-FFF2-40B4-BE49-F238E27FC236}">
+                <a16:creationId xmlns:a16="http://schemas.microsoft.com/office/drawing/2014/main" id="{E7FC04E1-E8EF-4A00-BEAB-CDBFB6DAAA8E}"/>
+              </a:ext>
+            </a:extLst>
+          </p:cNvPr>
+          <p:cNvSpPr txBox="1"/>
+          <p:nvPr/>
+        </p:nvSpPr>
+        <p:spPr>
+          <a:xfrm>
+            <a:off x="10031137" y="3896920"/>
+            <a:ext cx="2458129" cy="369332"/>
+          </a:xfrm>
+          <a:prstGeom prst="rect">
+            <a:avLst/>
+          </a:prstGeom>
+          <a:noFill/>
+        </p:spPr>
+        <p:txBody>
+          <a:bodyPr wrap="square" rtlCol="0">
+            <a:spAutoFit/>
+          </a:bodyPr>
+          <a:lstStyle/>
+          <a:p>
+            <a:pPr algn="ctr"/>
+            <a:r>
+              <a:rPr lang="en-SG" dirty="0" err="1">
                 <a:latin typeface="Consolas" panose="020B0609020204030204" pitchFamily="49" charset="0"/>
-              </a:endParaRPr>
-            </a:p>
-          </p:txBody>
-        </p:sp>
-        <p:sp>
-          <p:nvSpPr>
-            <p:cNvPr id="38" name="TextBox 37">
-              <a:extLst>
-                <a:ext uri="{FF2B5EF4-FFF2-40B4-BE49-F238E27FC236}">
-                  <a16:creationId xmlns:a16="http://schemas.microsoft.com/office/drawing/2014/main" id="{E7FC04E1-E8EF-4A00-BEAB-CDBFB6DAAA8E}"/>
-                </a:ext>
-              </a:extLst>
-            </p:cNvPr>
-            <p:cNvSpPr txBox="1"/>
-            <p:nvPr/>
-          </p:nvSpPr>
-          <p:spPr>
-            <a:xfrm>
-              <a:off x="10031137" y="3896920"/>
-              <a:ext cx="2458129" cy="369332"/>
-            </a:xfrm>
-            <a:prstGeom prst="rect">
-              <a:avLst/>
-            </a:prstGeom>
-            <a:grpFill/>
-            <a:ln>
-              <a:solidFill>
-                <a:schemeClr val="bg1"/>
-              </a:solidFill>
-            </a:ln>
-          </p:spPr>
-          <p:txBody>
-            <a:bodyPr wrap="square" rtlCol="0">
-              <a:spAutoFit/>
-            </a:bodyPr>
-            <a:lstStyle/>
-            <a:p>
-              <a:pPr algn="ctr"/>
-              <a:r>
-                <a:rPr lang="en-SG" dirty="0" err="1">
-                  <a:latin typeface="Consolas" panose="020B0609020204030204" pitchFamily="49" charset="0"/>
-                </a:rPr>
-                <a:t>redoStack</a:t>
-              </a:r>
-              <a:endParaRPr lang="en-SG" dirty="0">
-                <a:latin typeface="Consolas" panose="020B0609020204030204" pitchFamily="49" charset="0"/>
-              </a:endParaRPr>
-            </a:p>
-          </p:txBody>
-        </p:sp>
-      </p:grpSp>
+              </a:rPr>
+              <a:t>redoStack</a:t>
+            </a:r>
+            <a:endParaRPr lang="en-SG" dirty="0">
+              <a:latin typeface="Consolas" panose="020B0609020204030204" pitchFamily="49" charset="0"/>
+            </a:endParaRPr>
+          </a:p>
+        </p:txBody>
+      </p:sp>
       <p:graphicFrame>
         <p:nvGraphicFramePr>
           <p:cNvPr id="46" name="Table 45">
@@ -3996,14 +3954,14 @@
           <p:nvPr>
             <p:extLst>
               <p:ext uri="{D42A27DB-BD31-4B8C-83A1-F6EECF244321}">
-                <p14:modId xmlns:p14="http://schemas.microsoft.com/office/powerpoint/2010/main" val="194928921"/>
+                <p14:modId xmlns:p14="http://schemas.microsoft.com/office/powerpoint/2010/main" val="833594940"/>
               </p:ext>
             </p:extLst>
           </p:nvPr>
         </p:nvGraphicFramePr>
         <p:xfrm>
-          <a:off x="193470" y="1808217"/>
-          <a:ext cx="2275769" cy="1174986"/>
+          <a:off x="-147723" y="1749067"/>
+          <a:ext cx="2458129" cy="914400"/>
         </p:xfrm>
         <a:graphic>
           <a:graphicData uri="http://schemas.openxmlformats.org/drawingml/2006/table">
@@ -4012,7 +3970,7 @@
                 <a:tableStyleId>{306799F8-075E-4A3A-A7F6-7FBC6576F1A4}</a:tableStyleId>
               </a:tblPr>
               <a:tblGrid>
-                <a:gridCol w="2275769">
+                <a:gridCol w="2458129">
                   <a:extLst>
                     <a:ext uri="{9D8B030D-6E8A-4147-A177-3AD203B41FA5}">
                       <a16:colId xmlns:a16="http://schemas.microsoft.com/office/drawing/2014/main" val="4240773277"/>
@@ -4020,7 +3978,7 @@
                   </a:extLst>
                 </a:gridCol>
               </a:tblGrid>
-              <a:tr h="352026">
+              <a:tr h="326391">
                 <a:tc>
                   <a:txBody>
                     <a:bodyPr/>
@@ -4045,7 +4003,7 @@
                   </a:ext>
                 </a:extLst>
               </a:tr>
-              <a:tr h="608045">
+              <a:tr h="326391">
                 <a:tc>
                   <a:txBody>
                     <a:bodyPr/>
@@ -4098,14 +4056,14 @@
           <p:nvPr>
             <p:extLst>
               <p:ext uri="{D42A27DB-BD31-4B8C-83A1-F6EECF244321}">
-                <p14:modId xmlns:p14="http://schemas.microsoft.com/office/powerpoint/2010/main" val="3067219882"/>
+                <p14:modId xmlns:p14="http://schemas.microsoft.com/office/powerpoint/2010/main" val="1799633983"/>
               </p:ext>
             </p:extLst>
           </p:nvPr>
         </p:nvGraphicFramePr>
         <p:xfrm>
-          <a:off x="9722800" y="3092152"/>
-          <a:ext cx="2314525" cy="960071"/>
+          <a:off x="10099278" y="2887086"/>
+          <a:ext cx="2458129" cy="914400"/>
         </p:xfrm>
         <a:graphic>
           <a:graphicData uri="http://schemas.openxmlformats.org/drawingml/2006/table">
@@ -4114,7 +4072,7 @@
                 <a:tableStyleId>{306799F8-075E-4A3A-A7F6-7FBC6576F1A4}</a:tableStyleId>
               </a:tblPr>
               <a:tblGrid>
-                <a:gridCol w="2314525">
+                <a:gridCol w="2458129">
                   <a:extLst>
                     <a:ext uri="{9D8B030D-6E8A-4147-A177-3AD203B41FA5}">
                       <a16:colId xmlns:a16="http://schemas.microsoft.com/office/drawing/2014/main" val="4240773277"/>
@@ -4122,7 +4080,7 @@
                   </a:extLst>
                 </a:gridCol>
               </a:tblGrid>
-              <a:tr h="352026">
+              <a:tr h="326391">
                 <a:tc>
                   <a:txBody>
                     <a:bodyPr/>
@@ -4147,7 +4105,7 @@
                   </a:ext>
                 </a:extLst>
               </a:tr>
-              <a:tr h="608045">
+              <a:tr h="326391">
                 <a:tc>
                   <a:txBody>
                     <a:bodyPr/>
@@ -4159,7 +4117,7 @@
                       </a:r>
                       <a:r>
                         <a:rPr lang="en-SG" sz="1600" dirty="0"/>
-                        <a:t> = “Name: David”</a:t>
+                        <a:t> = “Front: What is ..”</a:t>
                       </a:r>
                     </a:p>
                     <a:p>
@@ -4200,14 +4158,14 @@
           <p:nvPr>
             <p:extLst>
               <p:ext uri="{D42A27DB-BD31-4B8C-83A1-F6EECF244321}">
-                <p14:modId xmlns:p14="http://schemas.microsoft.com/office/powerpoint/2010/main" val="702191425"/>
+                <p14:modId xmlns:p14="http://schemas.microsoft.com/office/powerpoint/2010/main" val="1106765011"/>
               </p:ext>
             </p:extLst>
           </p:nvPr>
         </p:nvGraphicFramePr>
         <p:xfrm>
-          <a:off x="166173" y="3111689"/>
-          <a:ext cx="2304072" cy="952333"/>
+          <a:off x="-147724" y="2779309"/>
+          <a:ext cx="2458129" cy="1005840"/>
         </p:xfrm>
         <a:graphic>
           <a:graphicData uri="http://schemas.openxmlformats.org/drawingml/2006/table">
@@ -4216,7 +4174,7 @@
                 <a:tableStyleId>{306799F8-075E-4A3A-A7F6-7FBC6576F1A4}</a:tableStyleId>
               </a:tblPr>
               <a:tblGrid>
-                <a:gridCol w="2304072">
+                <a:gridCol w="2458129">
                   <a:extLst>
                     <a:ext uri="{9D8B030D-6E8A-4147-A177-3AD203B41FA5}">
                       <a16:colId xmlns:a16="http://schemas.microsoft.com/office/drawing/2014/main" val="4240773277"/>
@@ -4224,21 +4182,21 @@
                   </a:extLst>
                 </a:gridCol>
               </a:tblGrid>
-              <a:tr h="349189">
+              <a:tr h="326391">
                 <a:tc>
                   <a:txBody>
                     <a:bodyPr/>
                     <a:lstStyle/>
                     <a:p>
                       <a:r>
-                        <a:rPr lang="en-SG" sz="1600" u="sng" dirty="0"/>
+                        <a:rPr lang="en-SG" u="sng" dirty="0"/>
                         <a:t>:</a:t>
                       </a:r>
                       <a:r>
-                        <a:rPr lang="en-SG" sz="1600" u="sng" dirty="0" err="1"/>
+                        <a:rPr lang="en-SG" u="sng" dirty="0" err="1"/>
                         <a:t>DeleteCardCommand</a:t>
                       </a:r>
-                      <a:endParaRPr lang="en-SG" sz="1600" u="sng" dirty="0"/>
+                      <a:endParaRPr lang="en-SG" u="sng" dirty="0"/>
                     </a:p>
                   </a:txBody>
                   <a:tcPr/>
@@ -4249,28 +4207,28 @@
                   </a:ext>
                 </a:extLst>
               </a:tr>
-              <a:tr h="603144">
+              <a:tr h="326391">
                 <a:tc>
                   <a:txBody>
                     <a:bodyPr/>
                     <a:lstStyle/>
                     <a:p>
                       <a:r>
-                        <a:rPr lang="en-SG" sz="1600" dirty="0" err="1"/>
+                        <a:rPr lang="en-SG" dirty="0" err="1"/>
                         <a:t>targetIndex</a:t>
                       </a:r>
                       <a:r>
-                        <a:rPr lang="en-SG" sz="1600" dirty="0"/>
+                        <a:rPr lang="en-SG" dirty="0"/>
                         <a:t> = 5</a:t>
                       </a:r>
                     </a:p>
                     <a:p>
                       <a:r>
-                        <a:rPr lang="en-SG" sz="1600" dirty="0" err="1"/>
+                        <a:rPr lang="en-SG" dirty="0" err="1"/>
                         <a:t>prevCardBank</a:t>
                       </a:r>
                       <a:r>
-                        <a:rPr lang="en-SG" sz="1600" dirty="0"/>
+                        <a:rPr lang="en-SG" dirty="0"/>
                         <a:t> = s3</a:t>
                       </a:r>
                     </a:p>
@@ -4302,14 +4260,14 @@
           <p:nvPr>
             <p:extLst>
               <p:ext uri="{D42A27DB-BD31-4B8C-83A1-F6EECF244321}">
-                <p14:modId xmlns:p14="http://schemas.microsoft.com/office/powerpoint/2010/main" val="1987901478"/>
+                <p14:modId xmlns:p14="http://schemas.microsoft.com/office/powerpoint/2010/main" val="4112367245"/>
               </p:ext>
             </p:extLst>
           </p:nvPr>
         </p:nvGraphicFramePr>
         <p:xfrm>
-          <a:off x="7191930" y="3111689"/>
-          <a:ext cx="2325242" cy="940534"/>
+          <a:off x="7448062" y="2787797"/>
+          <a:ext cx="2378350" cy="1005840"/>
         </p:xfrm>
         <a:graphic>
           <a:graphicData uri="http://schemas.openxmlformats.org/drawingml/2006/table">
@@ -4318,7 +4276,7 @@
                 <a:tableStyleId>{306799F8-075E-4A3A-A7F6-7FBC6576F1A4}</a:tableStyleId>
               </a:tblPr>
               <a:tblGrid>
-                <a:gridCol w="2325242">
+                <a:gridCol w="2378350">
                   <a:extLst>
                     <a:ext uri="{9D8B030D-6E8A-4147-A177-3AD203B41FA5}">
                       <a16:colId xmlns:a16="http://schemas.microsoft.com/office/drawing/2014/main" val="4240773277"/>
@@ -4326,21 +4284,21 @@
                   </a:extLst>
                 </a:gridCol>
               </a:tblGrid>
-              <a:tr h="344862">
+              <a:tr h="326391">
                 <a:tc>
                   <a:txBody>
                     <a:bodyPr/>
                     <a:lstStyle/>
                     <a:p>
                       <a:r>
-                        <a:rPr lang="en-SG" sz="1600" u="sng" dirty="0"/>
+                        <a:rPr lang="en-SG" u="sng" dirty="0"/>
                         <a:t>:</a:t>
                       </a:r>
                       <a:r>
-                        <a:rPr lang="en-SG" sz="1600" u="sng" dirty="0" err="1"/>
+                        <a:rPr lang="en-SG" u="sng" dirty="0" err="1"/>
                         <a:t>DeleteCardCommand</a:t>
                       </a:r>
-                      <a:endParaRPr lang="en-SG" sz="1600" u="sng" dirty="0"/>
+                      <a:endParaRPr lang="en-SG" u="sng" dirty="0"/>
                     </a:p>
                   </a:txBody>
                   <a:tcPr/>
@@ -4351,28 +4309,28 @@
                   </a:ext>
                 </a:extLst>
               </a:tr>
-              <a:tr h="595672">
+              <a:tr h="326391">
                 <a:tc>
                   <a:txBody>
                     <a:bodyPr/>
                     <a:lstStyle/>
                     <a:p>
                       <a:r>
-                        <a:rPr lang="en-SG" sz="1600" dirty="0" err="1"/>
+                        <a:rPr lang="en-SG" dirty="0" err="1"/>
                         <a:t>targetIndex</a:t>
                       </a:r>
                       <a:r>
-                        <a:rPr lang="en-SG" sz="1600" dirty="0"/>
+                        <a:rPr lang="en-SG" dirty="0"/>
                         <a:t> = 5</a:t>
                       </a:r>
                     </a:p>
                     <a:p>
                       <a:r>
-                        <a:rPr lang="en-SG" sz="1600" dirty="0" err="1"/>
+                        <a:rPr lang="en-SG" dirty="0" err="1"/>
                         <a:t>prevCardBank</a:t>
                       </a:r>
                       <a:r>
-                        <a:rPr lang="en-SG" sz="1600" dirty="0"/>
+                        <a:rPr lang="en-SG" dirty="0"/>
                         <a:t> = s3</a:t>
                       </a:r>
                     </a:p>
@@ -4403,8 +4361,8 @@
         </p:nvSpPr>
         <p:spPr>
           <a:xfrm>
-            <a:off x="7451214" y="1692891"/>
-            <a:ext cx="4390968" cy="950028"/>
+            <a:off x="7574536" y="1817891"/>
+            <a:ext cx="4775294" cy="646331"/>
           </a:xfrm>
           <a:prstGeom prst="rect">
             <a:avLst/>
@@ -4413,7 +4371,9 @@
             <a:schemeClr val="tx2"/>
           </a:solidFill>
           <a:ln>
-            <a:noFill/>
+            <a:solidFill>
+              <a:schemeClr val="tx1"/>
+            </a:solidFill>
           </a:ln>
           <a:effectLst>
             <a:outerShdw blurRad="63500" sx="102000" sy="102000" algn="ctr" rotWithShape="0">
@@ -4447,15 +4407,27 @@
           <a:p>
             <a:pPr algn="ctr"/>
             <a:r>
-              <a:rPr lang="en-SG" dirty="0"/>
+              <a:rPr lang="en-SG" dirty="0">
+                <a:solidFill>
+                  <a:schemeClr val="bg1"/>
+                </a:solidFill>
+              </a:rPr>
               <a:t>The state of the card bank (before ‘</a:t>
             </a:r>
             <a:r>
-              <a:rPr lang="en-SG" dirty="0" err="1"/>
+              <a:rPr lang="en-SG" dirty="0" err="1">
+                <a:solidFill>
+                  <a:schemeClr val="bg1"/>
+                </a:solidFill>
+              </a:rPr>
               <a:t>addc</a:t>
             </a:r>
             <a:r>
-              <a:rPr lang="en-SG" dirty="0"/>
+              <a:rPr lang="en-SG" dirty="0">
+                <a:solidFill>
+                  <a:schemeClr val="bg1"/>
+                </a:solidFill>
+              </a:rPr>
               <a:t> f/What is..’ was executed) will be restored to s2.</a:t>
             </a:r>
           </a:p>
